--- a/slides/Robust_Tropical_Neural_Networks.pptx
+++ b/slides/Robust_Tropical_Neural_Networks.pptx
@@ -5,15 +5,16 @@
     <p:sldMasterId id="2147483686" r:id="rId4"/>
   </p:sldMasterIdLst>
   <p:notesMasterIdLst>
-    <p:notesMasterId r:id="rId11"/>
+    <p:notesMasterId r:id="rId12"/>
   </p:notesMasterIdLst>
   <p:sldIdLst>
     <p:sldId id="256" r:id="rId5"/>
     <p:sldId id="2147375035" r:id="rId6"/>
-    <p:sldId id="2147375040" r:id="rId7"/>
-    <p:sldId id="2147375043" r:id="rId8"/>
-    <p:sldId id="2147375044" r:id="rId9"/>
-    <p:sldId id="2147375036" r:id="rId10"/>
+    <p:sldId id="2147375045" r:id="rId7"/>
+    <p:sldId id="2147375040" r:id="rId8"/>
+    <p:sldId id="2147375043" r:id="rId9"/>
+    <p:sldId id="2147375044" r:id="rId10"/>
+    <p:sldId id="2147375036" r:id="rId11"/>
   </p:sldIdLst>
   <p:sldSz cx="9144000" cy="6858000" type="screen4x3"/>
   <p:notesSz cx="6858000" cy="9144000"/>
@@ -226,6 +227,7 @@
           <p14:sldIdLst>
             <p14:sldId id="256"/>
             <p14:sldId id="2147375035"/>
+            <p14:sldId id="2147375045"/>
             <p14:sldId id="2147375040"/>
             <p14:sldId id="2147375043"/>
             <p14:sldId id="2147375044"/>
@@ -247,7 +249,7 @@
 <file path=ppt/revisionInfo.xml><?xml version="1.0" encoding="utf-8"?>
 <p1510:revInfo xmlns:a="http://schemas.openxmlformats.org/drawingml/2006/main" xmlns:r="http://schemas.openxmlformats.org/officeDocument/2006/relationships" xmlns:p1510="http://schemas.microsoft.com/office/powerpoint/2015/10/main">
   <p1510:revLst>
-    <p1510:client id="{D0052E38-AAAE-4A15-A90B-88300107F7C3}" v="12" dt="2023-12-11T14:07:25.001"/>
+    <p1510:client id="{97EE2EBF-686E-4C1D-99D2-C9F969A41661}" v="1" dt="2024-01-26T18:50:00.462"/>
   </p1510:revLst>
 </p1510:revInfo>
 </file>
@@ -495,6 +497,142 @@
       </pc:sldChg>
     </pc:docChg>
   </pc:docChgLst>
+  <pc:docChgLst>
+    <pc:chgData name="Pasque, Kurt (LT)" userId="101d425e-7b67-438f-8588-88e46245ddde" providerId="ADAL" clId="{97EE2EBF-686E-4C1D-99D2-C9F969A41661}"/>
+    <pc:docChg chg="undo custSel addSld modSld modSection">
+      <pc:chgData name="Pasque, Kurt (LT)" userId="101d425e-7b67-438f-8588-88e46245ddde" providerId="ADAL" clId="{97EE2EBF-686E-4C1D-99D2-C9F969A41661}" dt="2024-01-26T18:50:44.156" v="24" actId="1076"/>
+      <pc:docMkLst>
+        <pc:docMk/>
+      </pc:docMkLst>
+      <pc:sldChg chg="addSp delSp modSp add mod delAnim modAnim">
+        <pc:chgData name="Pasque, Kurt (LT)" userId="101d425e-7b67-438f-8588-88e46245ddde" providerId="ADAL" clId="{97EE2EBF-686E-4C1D-99D2-C9F969A41661}" dt="2024-01-26T18:50:44.156" v="24" actId="1076"/>
+        <pc:sldMkLst>
+          <pc:docMk/>
+          <pc:sldMk cId="3236096594" sldId="2147375045"/>
+        </pc:sldMkLst>
+        <pc:spChg chg="del mod">
+          <ac:chgData name="Pasque, Kurt (LT)" userId="101d425e-7b67-438f-8588-88e46245ddde" providerId="ADAL" clId="{97EE2EBF-686E-4C1D-99D2-C9F969A41661}" dt="2024-01-26T18:49:32.303" v="3" actId="478"/>
+          <ac:spMkLst>
+            <pc:docMk/>
+            <pc:sldMk cId="3236096594" sldId="2147375045"/>
+            <ac:spMk id="3" creationId="{C7FC7A4E-B5FB-BAC7-5DC1-020D0C71F768}"/>
+          </ac:spMkLst>
+        </pc:spChg>
+        <pc:spChg chg="mod">
+          <ac:chgData name="Pasque, Kurt (LT)" userId="101d425e-7b67-438f-8588-88e46245ddde" providerId="ADAL" clId="{97EE2EBF-686E-4C1D-99D2-C9F969A41661}" dt="2024-01-26T18:50:00.462" v="14" actId="164"/>
+          <ac:spMkLst>
+            <pc:docMk/>
+            <pc:sldMk cId="3236096594" sldId="2147375045"/>
+            <ac:spMk id="4" creationId="{17377FFC-FB59-32D6-C579-5D106F523367}"/>
+          </ac:spMkLst>
+        </pc:spChg>
+        <pc:spChg chg="del">
+          <ac:chgData name="Pasque, Kurt (LT)" userId="101d425e-7b67-438f-8588-88e46245ddde" providerId="ADAL" clId="{97EE2EBF-686E-4C1D-99D2-C9F969A41661}" dt="2024-01-26T18:50:31.313" v="23" actId="478"/>
+          <ac:spMkLst>
+            <pc:docMk/>
+            <pc:sldMk cId="3236096594" sldId="2147375045"/>
+            <ac:spMk id="5" creationId="{831BBCA7-5D37-54BE-A727-A3DAFA300C26}"/>
+          </ac:spMkLst>
+        </pc:spChg>
+        <pc:spChg chg="del">
+          <ac:chgData name="Pasque, Kurt (LT)" userId="101d425e-7b67-438f-8588-88e46245ddde" providerId="ADAL" clId="{97EE2EBF-686E-4C1D-99D2-C9F969A41661}" dt="2024-01-26T18:49:33.839" v="5" actId="478"/>
+          <ac:spMkLst>
+            <pc:docMk/>
+            <pc:sldMk cId="3236096594" sldId="2147375045"/>
+            <ac:spMk id="12" creationId="{AE41E480-77DE-2E88-199B-CF4D496C2DA3}"/>
+          </ac:spMkLst>
+        </pc:spChg>
+        <pc:spChg chg="mod">
+          <ac:chgData name="Pasque, Kurt (LT)" userId="101d425e-7b67-438f-8588-88e46245ddde" providerId="ADAL" clId="{97EE2EBF-686E-4C1D-99D2-C9F969A41661}" dt="2024-01-26T18:50:00.462" v="14" actId="164"/>
+          <ac:spMkLst>
+            <pc:docMk/>
+            <pc:sldMk cId="3236096594" sldId="2147375045"/>
+            <ac:spMk id="13" creationId="{239D8AAD-BEC2-9298-D0C8-AF3B08AE8C39}"/>
+          </ac:spMkLst>
+        </pc:spChg>
+        <pc:spChg chg="mod">
+          <ac:chgData name="Pasque, Kurt (LT)" userId="101d425e-7b67-438f-8588-88e46245ddde" providerId="ADAL" clId="{97EE2EBF-686E-4C1D-99D2-C9F969A41661}" dt="2024-01-26T18:50:00.462" v="14" actId="164"/>
+          <ac:spMkLst>
+            <pc:docMk/>
+            <pc:sldMk cId="3236096594" sldId="2147375045"/>
+            <ac:spMk id="16" creationId="{F6AFE38E-3BAC-F24B-5433-28DB32473D91}"/>
+          </ac:spMkLst>
+        </pc:spChg>
+        <pc:spChg chg="mod">
+          <ac:chgData name="Pasque, Kurt (LT)" userId="101d425e-7b67-438f-8588-88e46245ddde" providerId="ADAL" clId="{97EE2EBF-686E-4C1D-99D2-C9F969A41661}" dt="2024-01-26T18:50:29.555" v="22" actId="1076"/>
+          <ac:spMkLst>
+            <pc:docMk/>
+            <pc:sldMk cId="3236096594" sldId="2147375045"/>
+            <ac:spMk id="24" creationId="{48729522-A86A-6608-76F6-5C53C9934C5A}"/>
+          </ac:spMkLst>
+        </pc:spChg>
+        <pc:grpChg chg="add mod">
+          <ac:chgData name="Pasque, Kurt (LT)" userId="101d425e-7b67-438f-8588-88e46245ddde" providerId="ADAL" clId="{97EE2EBF-686E-4C1D-99D2-C9F969A41661}" dt="2024-01-26T18:50:44.156" v="24" actId="1076"/>
+          <ac:grpSpMkLst>
+            <pc:docMk/>
+            <pc:sldMk cId="3236096594" sldId="2147375045"/>
+            <ac:grpSpMk id="7" creationId="{360FD3A6-1704-92F9-C9A5-0E335B69AB42}"/>
+          </ac:grpSpMkLst>
+        </pc:grpChg>
+        <pc:picChg chg="del">
+          <ac:chgData name="Pasque, Kurt (LT)" userId="101d425e-7b67-438f-8588-88e46245ddde" providerId="ADAL" clId="{97EE2EBF-686E-4C1D-99D2-C9F969A41661}" dt="2024-01-26T18:49:28.467" v="1" actId="478"/>
+          <ac:picMkLst>
+            <pc:docMk/>
+            <pc:sldMk cId="3236096594" sldId="2147375045"/>
+            <ac:picMk id="8" creationId="{9EAD60DA-13A2-D873-74CF-DE3AB81FB88F}"/>
+          </ac:picMkLst>
+        </pc:picChg>
+        <pc:picChg chg="del">
+          <ac:chgData name="Pasque, Kurt (LT)" userId="101d425e-7b67-438f-8588-88e46245ddde" providerId="ADAL" clId="{97EE2EBF-686E-4C1D-99D2-C9F969A41661}" dt="2024-01-26T18:49:33.385" v="4" actId="478"/>
+          <ac:picMkLst>
+            <pc:docMk/>
+            <pc:sldMk cId="3236096594" sldId="2147375045"/>
+            <ac:picMk id="11" creationId="{9666F64A-C79F-91D1-A862-EDDBFE31D0E1}"/>
+          </ac:picMkLst>
+        </pc:picChg>
+        <pc:picChg chg="mod">
+          <ac:chgData name="Pasque, Kurt (LT)" userId="101d425e-7b67-438f-8588-88e46245ddde" providerId="ADAL" clId="{97EE2EBF-686E-4C1D-99D2-C9F969A41661}" dt="2024-01-26T18:50:00.462" v="14" actId="164"/>
+          <ac:picMkLst>
+            <pc:docMk/>
+            <pc:sldMk cId="3236096594" sldId="2147375045"/>
+            <ac:picMk id="14" creationId="{86255629-703D-15EE-941E-5342DC5E1E33}"/>
+          </ac:picMkLst>
+        </pc:picChg>
+        <pc:picChg chg="mod">
+          <ac:chgData name="Pasque, Kurt (LT)" userId="101d425e-7b67-438f-8588-88e46245ddde" providerId="ADAL" clId="{97EE2EBF-686E-4C1D-99D2-C9F969A41661}" dt="2024-01-26T18:50:26.526" v="21" actId="1076"/>
+          <ac:picMkLst>
+            <pc:docMk/>
+            <pc:sldMk cId="3236096594" sldId="2147375045"/>
+            <ac:picMk id="20" creationId="{11271968-6B2A-7D15-21EE-DE84FBB680C8}"/>
+          </ac:picMkLst>
+        </pc:picChg>
+        <pc:picChg chg="mod">
+          <ac:chgData name="Pasque, Kurt (LT)" userId="101d425e-7b67-438f-8588-88e46245ddde" providerId="ADAL" clId="{97EE2EBF-686E-4C1D-99D2-C9F969A41661}" dt="2024-01-26T18:50:00.462" v="14" actId="164"/>
+          <ac:picMkLst>
+            <pc:docMk/>
+            <pc:sldMk cId="3236096594" sldId="2147375045"/>
+            <ac:picMk id="21" creationId="{D54D2F52-55BE-D5AE-4550-3AAB5BCF2281}"/>
+          </ac:picMkLst>
+        </pc:picChg>
+        <pc:picChg chg="add del mod">
+          <ac:chgData name="Pasque, Kurt (LT)" userId="101d425e-7b67-438f-8588-88e46245ddde" providerId="ADAL" clId="{97EE2EBF-686E-4C1D-99D2-C9F969A41661}" dt="2024-01-26T18:49:40.537" v="9" actId="478"/>
+          <ac:picMkLst>
+            <pc:docMk/>
+            <pc:sldMk cId="3236096594" sldId="2147375045"/>
+            <ac:picMk id="28" creationId="{D2508E26-A32B-46C8-1060-7DAFAF1B61A4}"/>
+          </ac:picMkLst>
+        </pc:picChg>
+        <pc:cxnChg chg="del mod">
+          <ac:chgData name="Pasque, Kurt (LT)" userId="101d425e-7b67-438f-8588-88e46245ddde" providerId="ADAL" clId="{97EE2EBF-686E-4C1D-99D2-C9F969A41661}" dt="2024-01-26T18:49:42.290" v="10" actId="478"/>
+          <ac:cxnSpMkLst>
+            <pc:docMk/>
+            <pc:sldMk cId="3236096594" sldId="2147375045"/>
+            <ac:cxnSpMk id="10" creationId="{42F6E5D8-772E-C894-0D0D-B2EE3D97404F}"/>
+          </ac:cxnSpMkLst>
+        </pc:cxnChg>
+      </pc:sldChg>
+    </pc:docChg>
+  </pc:docChgLst>
 </pc:chgInfo>
 </file>
 
@@ -580,7 +718,7 @@
           <a:p>
             <a:fld id="{4EAACE14-3188-4DC4-8EE5-F2A4F3793AB1}" type="datetimeFigureOut">
               <a:rPr lang="en-US" smtClean="0"/>
-              <a:t>12/10/2023</a:t>
+              <a:t>1/26/2024</a:t>
             </a:fld>
             <a:endParaRPr lang="en-US"/>
           </a:p>
@@ -961,12 +1099,7 @@
             <p:ph type="sldImg"/>
           </p:nvPr>
         </p:nvSpPr>
-        <p:spPr>
-          <a:xfrm>
-            <a:off x="1371600" y="1143000"/>
-            <a:ext cx="4114800" cy="3086100"/>
-          </a:xfrm>
-        </p:spPr>
+        <p:spPr/>
       </p:sp>
       <p:sp>
         <p:nvSpPr>
@@ -984,14 +1117,9 @@
           <a:lstStyle/>
           <a:p>
             <a:r>
-              <a:rPr lang="en-US" sz="1200" i="1" dirty="0" err="1"/>
-              <a:t>source:https</a:t>
-            </a:r>
-            <a:r>
-              <a:rPr lang="en-US" sz="1200" i="1" dirty="0"/>
-              <a:t>://towardsdatascience.com/know-your-enemy-7f7c5038bdf3</a:t>
-            </a:r>
-            <a:endParaRPr lang="en-US" dirty="0"/>
+              <a:rPr lang="en-US" dirty="0"/>
+              <a:t>Z_1 tropical norm, distance from tropical distance, projecting onto mod1 space</a:t>
+            </a:r>
           </a:p>
         </p:txBody>
       </p:sp>
@@ -1012,7 +1140,104 @@
           <a:p>
             <a:fld id="{C9FF49AD-0F37-48EF-9637-4B38220504B0}" type="slidenum">
               <a:rPr lang="en-US" smtClean="0"/>
-              <a:t>6</a:t>
+              <a:t>3</a:t>
+            </a:fld>
+            <a:endParaRPr lang="en-US"/>
+          </a:p>
+        </p:txBody>
+      </p:sp>
+    </p:spTree>
+    <p:extLst>
+      <p:ext uri="{BB962C8B-B14F-4D97-AF65-F5344CB8AC3E}">
+        <p14:creationId xmlns:p14="http://schemas.microsoft.com/office/powerpoint/2010/main" val="2399052505"/>
+      </p:ext>
+    </p:extLst>
+  </p:cSld>
+  <p:clrMapOvr>
+    <a:masterClrMapping/>
+  </p:clrMapOvr>
+</p:notes>
+</file>
+
+<file path=ppt/notesSlides/notesSlide3.xml><?xml version="1.0" encoding="utf-8"?>
+<p:notes xmlns:a="http://schemas.openxmlformats.org/drawingml/2006/main" xmlns:r="http://schemas.openxmlformats.org/officeDocument/2006/relationships" xmlns:p="http://schemas.openxmlformats.org/presentationml/2006/main">
+  <p:cSld>
+    <p:spTree>
+      <p:nvGrpSpPr>
+        <p:cNvPr id="1" name=""/>
+        <p:cNvGrpSpPr/>
+        <p:nvPr/>
+      </p:nvGrpSpPr>
+      <p:grpSpPr>
+        <a:xfrm>
+          <a:off x="0" y="0"/>
+          <a:ext cx="0" cy="0"/>
+          <a:chOff x="0" y="0"/>
+          <a:chExt cx="0" cy="0"/>
+        </a:xfrm>
+      </p:grpSpPr>
+      <p:sp>
+        <p:nvSpPr>
+          <p:cNvPr id="2" name="Slide Image Placeholder 1"/>
+          <p:cNvSpPr>
+            <a:spLocks noGrp="1" noRot="1" noChangeAspect="1"/>
+          </p:cNvSpPr>
+          <p:nvPr>
+            <p:ph type="sldImg"/>
+          </p:nvPr>
+        </p:nvSpPr>
+        <p:spPr>
+          <a:xfrm>
+            <a:off x="1371600" y="1143000"/>
+            <a:ext cx="4114800" cy="3086100"/>
+          </a:xfrm>
+        </p:spPr>
+      </p:sp>
+      <p:sp>
+        <p:nvSpPr>
+          <p:cNvPr id="3" name="Notes Placeholder 2"/>
+          <p:cNvSpPr>
+            <a:spLocks noGrp="1"/>
+          </p:cNvSpPr>
+          <p:nvPr>
+            <p:ph type="body" idx="1"/>
+          </p:nvPr>
+        </p:nvSpPr>
+        <p:spPr/>
+        <p:txBody>
+          <a:bodyPr/>
+          <a:lstStyle/>
+          <a:p>
+            <a:r>
+              <a:rPr lang="en-US" sz="1200" i="1" dirty="0" err="1"/>
+              <a:t>source:https</a:t>
+            </a:r>
+            <a:r>
+              <a:rPr lang="en-US" sz="1200" i="1" dirty="0"/>
+              <a:t>://towardsdatascience.com/know-your-enemy-7f7c5038bdf3</a:t>
+            </a:r>
+            <a:endParaRPr lang="en-US" dirty="0"/>
+          </a:p>
+        </p:txBody>
+      </p:sp>
+      <p:sp>
+        <p:nvSpPr>
+          <p:cNvPr id="4" name="Slide Number Placeholder 3"/>
+          <p:cNvSpPr>
+            <a:spLocks noGrp="1"/>
+          </p:cNvSpPr>
+          <p:nvPr>
+            <p:ph type="sldNum" sz="quarter" idx="5"/>
+          </p:nvPr>
+        </p:nvSpPr>
+        <p:spPr/>
+        <p:txBody>
+          <a:bodyPr/>
+          <a:lstStyle/>
+          <a:p>
+            <a:fld id="{C9FF49AD-0F37-48EF-9637-4B38220504B0}" type="slidenum">
+              <a:rPr lang="en-US" smtClean="0"/>
+              <a:t>7</a:t>
             </a:fld>
             <a:endParaRPr lang="en-US"/>
           </a:p>
@@ -1363,7 +1588,7 @@
           <a:p>
             <a:fld id="{846CE7D5-CF57-46EF-B807-FDD0502418D4}" type="datetimeFigureOut">
               <a:rPr lang="en-US" smtClean="0"/>
-              <a:t>12/10/2023</a:t>
+              <a:t>1/26/2024</a:t>
             </a:fld>
             <a:endParaRPr lang="en-US"/>
           </a:p>
@@ -1558,7 +1783,7 @@
             <a:fld id="{31BF79B2-07C7-4165-B11E-798D2549512E}" type="datetimeFigureOut">
               <a:rPr lang="en-US" smtClean="0"/>
               <a:pPr/>
-              <a:t>12/10/2023</a:t>
+              <a:t>1/26/2024</a:t>
             </a:fld>
             <a:endParaRPr lang="en-US"/>
           </a:p>
@@ -1780,7 +2005,7 @@
           <a:p>
             <a:fld id="{846CE7D5-CF57-46EF-B807-FDD0502418D4}" type="datetimeFigureOut">
               <a:rPr lang="en-US" smtClean="0"/>
-              <a:t>12/10/2023</a:t>
+              <a:t>1/26/2024</a:t>
             </a:fld>
             <a:endParaRPr lang="en-US"/>
           </a:p>
@@ -2089,7 +2314,7 @@
           <a:p>
             <a:fld id="{846CE7D5-CF57-46EF-B807-FDD0502418D4}" type="datetimeFigureOut">
               <a:rPr lang="en-US" smtClean="0"/>
-              <a:t>12/10/2023</a:t>
+              <a:t>1/26/2024</a:t>
             </a:fld>
             <a:endParaRPr lang="en-US"/>
           </a:p>
@@ -2537,7 +2762,7 @@
           <a:p>
             <a:fld id="{846CE7D5-CF57-46EF-B807-FDD0502418D4}" type="datetimeFigureOut">
               <a:rPr lang="en-US" smtClean="0"/>
-              <a:t>12/10/2023</a:t>
+              <a:t>1/26/2024</a:t>
             </a:fld>
             <a:endParaRPr lang="en-US"/>
           </a:p>
@@ -2678,7 +2903,7 @@
           <a:p>
             <a:fld id="{846CE7D5-CF57-46EF-B807-FDD0502418D4}" type="datetimeFigureOut">
               <a:rPr lang="en-US" smtClean="0"/>
-              <a:t>12/10/2023</a:t>
+              <a:t>1/26/2024</a:t>
             </a:fld>
             <a:endParaRPr lang="en-US"/>
           </a:p>
@@ -2797,7 +3022,7 @@
           <a:p>
             <a:fld id="{846CE7D5-CF57-46EF-B807-FDD0502418D4}" type="datetimeFigureOut">
               <a:rPr lang="en-US" smtClean="0"/>
-              <a:t>12/10/2023</a:t>
+              <a:t>1/26/2024</a:t>
             </a:fld>
             <a:endParaRPr lang="en-US"/>
           </a:p>
@@ -3096,7 +3321,7 @@
           <a:p>
             <a:fld id="{846CE7D5-CF57-46EF-B807-FDD0502418D4}" type="datetimeFigureOut">
               <a:rPr lang="en-US" smtClean="0"/>
-              <a:t>12/10/2023</a:t>
+              <a:t>1/26/2024</a:t>
             </a:fld>
             <a:endParaRPr lang="en-US"/>
           </a:p>
@@ -3376,7 +3601,7 @@
           <a:p>
             <a:fld id="{846CE7D5-CF57-46EF-B807-FDD0502418D4}" type="datetimeFigureOut">
               <a:rPr lang="en-US" smtClean="0"/>
-              <a:t>12/10/2023</a:t>
+              <a:t>1/26/2024</a:t>
             </a:fld>
             <a:endParaRPr lang="en-US"/>
           </a:p>
@@ -3719,7 +3944,7 @@
           <a:p>
             <a:fld id="{846CE7D5-CF57-46EF-B807-FDD0502418D4}" type="datetimeFigureOut">
               <a:rPr lang="en-US" smtClean="0"/>
-              <a:t>12/10/2023</a:t>
+              <a:t>1/26/2024</a:t>
             </a:fld>
             <a:endParaRPr lang="en-US"/>
           </a:p>
@@ -5355,6 +5580,541 @@
           <p:cNvPr id="2" name="Title 1">
             <a:extLst>
               <a:ext uri="{FF2B5EF4-FFF2-40B4-BE49-F238E27FC236}">
+                <a16:creationId xmlns:a16="http://schemas.microsoft.com/office/drawing/2014/main" id="{49D0BFA9-A74F-D605-3B8D-4B96E0883630}"/>
+              </a:ext>
+            </a:extLst>
+          </p:cNvPr>
+          <p:cNvSpPr>
+            <a:spLocks noGrp="1"/>
+          </p:cNvSpPr>
+          <p:nvPr>
+            <p:ph type="title"/>
+          </p:nvPr>
+        </p:nvSpPr>
+        <p:spPr/>
+        <p:txBody>
+          <a:bodyPr/>
+          <a:lstStyle/>
+          <a:p>
+            <a:r>
+              <a:rPr lang="en-US" dirty="0"/>
+              <a:t>Tropical Layers</a:t>
+            </a:r>
+          </a:p>
+        </p:txBody>
+      </p:sp>
+      <p:sp>
+        <p:nvSpPr>
+          <p:cNvPr id="24" name="TextBox 23">
+            <a:extLst>
+              <a:ext uri="{FF2B5EF4-FFF2-40B4-BE49-F238E27FC236}">
+                <a16:creationId xmlns:a16="http://schemas.microsoft.com/office/drawing/2014/main" id="{48729522-A86A-6608-76F6-5C53C9934C5A}"/>
+              </a:ext>
+            </a:extLst>
+          </p:cNvPr>
+          <p:cNvSpPr txBox="1"/>
+          <p:nvPr/>
+        </p:nvSpPr>
+        <p:spPr>
+          <a:xfrm>
+            <a:off x="1404271" y="4442926"/>
+            <a:ext cx="2833704" cy="523220"/>
+          </a:xfrm>
+          <a:prstGeom prst="rect">
+            <a:avLst/>
+          </a:prstGeom>
+          <a:noFill/>
+        </p:spPr>
+        <p:txBody>
+          <a:bodyPr wrap="square" rtlCol="0">
+            <a:spAutoFit/>
+          </a:bodyPr>
+          <a:lstStyle/>
+          <a:p>
+            <a:pPr algn="ctr"/>
+            <a:r>
+              <a:rPr lang="en-US" i="1" dirty="0">
+                <a:solidFill>
+                  <a:schemeClr val="tx1"/>
+                </a:solidFill>
+              </a:rPr>
+              <a:t>How </a:t>
+            </a:r>
+            <a:r>
+              <a:rPr lang="en-US" i="1" dirty="0" err="1">
+                <a:solidFill>
+                  <a:schemeClr val="tx1"/>
+                </a:solidFill>
+              </a:rPr>
+              <a:t>ReLU</a:t>
+            </a:r>
+            <a:r>
+              <a:rPr lang="en-US" i="1" dirty="0">
+                <a:solidFill>
+                  <a:schemeClr val="tx1"/>
+                </a:solidFill>
+              </a:rPr>
+              <a:t> Activated Neural Network Layers Work</a:t>
+            </a:r>
+          </a:p>
+        </p:txBody>
+      </p:sp>
+      <p:sp>
+        <p:nvSpPr>
+          <p:cNvPr id="26" name="TextBox 25">
+            <a:extLst>
+              <a:ext uri="{FF2B5EF4-FFF2-40B4-BE49-F238E27FC236}">
+                <a16:creationId xmlns:a16="http://schemas.microsoft.com/office/drawing/2014/main" id="{92FBB9C9-70E3-327B-A251-CDC9C4AD9982}"/>
+              </a:ext>
+            </a:extLst>
+          </p:cNvPr>
+          <p:cNvSpPr txBox="1"/>
+          <p:nvPr/>
+        </p:nvSpPr>
+        <p:spPr>
+          <a:xfrm>
+            <a:off x="5322740" y="1389676"/>
+            <a:ext cx="2896643" cy="523220"/>
+          </a:xfrm>
+          <a:prstGeom prst="rect">
+            <a:avLst/>
+          </a:prstGeom>
+          <a:noFill/>
+        </p:spPr>
+        <p:txBody>
+          <a:bodyPr wrap="square" rtlCol="0">
+            <a:spAutoFit/>
+          </a:bodyPr>
+          <a:lstStyle/>
+          <a:p>
+            <a:pPr algn="ctr"/>
+            <a:r>
+              <a:rPr lang="en-US" i="1" dirty="0">
+                <a:solidFill>
+                  <a:schemeClr val="tx1"/>
+                </a:solidFill>
+              </a:rPr>
+              <a:t>How our Tropical Neural Network Layer Works</a:t>
+            </a:r>
+          </a:p>
+        </p:txBody>
+      </p:sp>
+      <p:grpSp>
+        <p:nvGrpSpPr>
+          <p:cNvPr id="7" name="Group 6">
+            <a:extLst>
+              <a:ext uri="{FF2B5EF4-FFF2-40B4-BE49-F238E27FC236}">
+                <a16:creationId xmlns:a16="http://schemas.microsoft.com/office/drawing/2014/main" id="{360FD3A6-1704-92F9-C9A5-0E335B69AB42}"/>
+              </a:ext>
+            </a:extLst>
+          </p:cNvPr>
+          <p:cNvGrpSpPr/>
+          <p:nvPr/>
+        </p:nvGrpSpPr>
+        <p:grpSpPr>
+          <a:xfrm>
+            <a:off x="914400" y="1389676"/>
+            <a:ext cx="3657600" cy="3190903"/>
+            <a:chOff x="4942262" y="2220011"/>
+            <a:chExt cx="3657600" cy="3190903"/>
+          </a:xfrm>
+        </p:grpSpPr>
+        <p:pic>
+          <p:nvPicPr>
+            <p:cNvPr id="21" name="Picture 20">
+              <a:extLst>
+                <a:ext uri="{FF2B5EF4-FFF2-40B4-BE49-F238E27FC236}">
+                  <a16:creationId xmlns:a16="http://schemas.microsoft.com/office/drawing/2014/main" id="{D54D2F52-55BE-D5AE-4550-3AAB5BCF2281}"/>
+                </a:ext>
+              </a:extLst>
+            </p:cNvPr>
+            <p:cNvPicPr>
+              <a:picLocks noChangeAspect="1"/>
+            </p:cNvPicPr>
+            <p:nvPr/>
+          </p:nvPicPr>
+          <p:blipFill>
+            <a:blip r:embed="rId3"/>
+            <a:stretch>
+              <a:fillRect/>
+            </a:stretch>
+          </p:blipFill>
+          <p:spPr>
+            <a:xfrm>
+              <a:off x="4942262" y="2220011"/>
+              <a:ext cx="3657600" cy="3190903"/>
+            </a:xfrm>
+            <a:prstGeom prst="rect">
+              <a:avLst/>
+            </a:prstGeom>
+          </p:spPr>
+        </p:pic>
+        <p:sp>
+          <p:nvSpPr>
+            <p:cNvPr id="4" name="Rectangle 3">
+              <a:extLst>
+                <a:ext uri="{FF2B5EF4-FFF2-40B4-BE49-F238E27FC236}">
+                  <a16:creationId xmlns:a16="http://schemas.microsoft.com/office/drawing/2014/main" id="{17377FFC-FB59-32D6-C579-5D106F523367}"/>
+                </a:ext>
+              </a:extLst>
+            </p:cNvPr>
+            <p:cNvSpPr/>
+            <p:nvPr/>
+          </p:nvSpPr>
+          <p:spPr>
+            <a:xfrm>
+              <a:off x="6583883" y="3214640"/>
+              <a:ext cx="1948415" cy="509364"/>
+            </a:xfrm>
+            <a:prstGeom prst="rect">
+              <a:avLst/>
+            </a:prstGeom>
+            <a:solidFill>
+              <a:schemeClr val="bg1"/>
+            </a:solidFill>
+            <a:ln>
+              <a:noFill/>
+            </a:ln>
+          </p:spPr>
+          <p:style>
+            <a:lnRef idx="2">
+              <a:schemeClr val="accent1">
+                <a:shade val="15000"/>
+              </a:schemeClr>
+            </a:lnRef>
+            <a:fillRef idx="1">
+              <a:schemeClr val="accent1"/>
+            </a:fillRef>
+            <a:effectRef idx="0">
+              <a:schemeClr val="accent1"/>
+            </a:effectRef>
+            <a:fontRef idx="minor">
+              <a:schemeClr val="lt1"/>
+            </a:fontRef>
+          </p:style>
+          <p:txBody>
+            <a:bodyPr rtlCol="0" anchor="ctr"/>
+            <a:lstStyle/>
+            <a:p>
+              <a:pPr algn="ctr"/>
+              <a:endParaRPr lang="en-US"/>
+            </a:p>
+          </p:txBody>
+        </p:sp>
+        <p:sp>
+          <p:nvSpPr>
+            <p:cNvPr id="13" name="Oval 12">
+              <a:extLst>
+                <a:ext uri="{FF2B5EF4-FFF2-40B4-BE49-F238E27FC236}">
+                  <a16:creationId xmlns:a16="http://schemas.microsoft.com/office/drawing/2014/main" id="{239D8AAD-BEC2-9298-D0C8-AF3B08AE8C39}"/>
+                </a:ext>
+              </a:extLst>
+            </p:cNvPr>
+            <p:cNvSpPr/>
+            <p:nvPr/>
+          </p:nvSpPr>
+          <p:spPr>
+            <a:xfrm>
+              <a:off x="7462839" y="3943918"/>
+              <a:ext cx="468312" cy="377099"/>
+            </a:xfrm>
+            <a:prstGeom prst="ellipse">
+              <a:avLst/>
+            </a:prstGeom>
+            <a:solidFill>
+              <a:srgbClr val="4D73BE"/>
+            </a:solidFill>
+            <a:ln>
+              <a:noFill/>
+            </a:ln>
+          </p:spPr>
+          <p:style>
+            <a:lnRef idx="2">
+              <a:schemeClr val="accent1">
+                <a:shade val="15000"/>
+              </a:schemeClr>
+            </a:lnRef>
+            <a:fillRef idx="1">
+              <a:schemeClr val="accent1"/>
+            </a:fillRef>
+            <a:effectRef idx="0">
+              <a:schemeClr val="accent1"/>
+            </a:effectRef>
+            <a:fontRef idx="minor">
+              <a:schemeClr val="lt1"/>
+            </a:fontRef>
+          </p:style>
+          <p:txBody>
+            <a:bodyPr rtlCol="0" anchor="ctr"/>
+            <a:lstStyle/>
+            <a:p>
+              <a:pPr algn="ctr"/>
+              <a:endParaRPr lang="en-US"/>
+            </a:p>
+          </p:txBody>
+        </p:sp>
+        <p:pic>
+          <p:nvPicPr>
+            <p:cNvPr id="14" name="Picture 13">
+              <a:extLst>
+                <a:ext uri="{FF2B5EF4-FFF2-40B4-BE49-F238E27FC236}">
+                  <a16:creationId xmlns:a16="http://schemas.microsoft.com/office/drawing/2014/main" id="{86255629-703D-15EE-941E-5342DC5E1E33}"/>
+                </a:ext>
+              </a:extLst>
+            </p:cNvPr>
+            <p:cNvPicPr>
+              <a:picLocks noChangeAspect="1"/>
+            </p:cNvPicPr>
+            <p:nvPr/>
+          </p:nvPicPr>
+          <p:blipFill>
+            <a:blip r:embed="rId4"/>
+            <a:stretch>
+              <a:fillRect/>
+            </a:stretch>
+          </p:blipFill>
+          <p:spPr>
+            <a:xfrm>
+              <a:off x="7527915" y="3924638"/>
+              <a:ext cx="338159" cy="373899"/>
+            </a:xfrm>
+            <a:prstGeom prst="rect">
+              <a:avLst/>
+            </a:prstGeom>
+          </p:spPr>
+        </p:pic>
+        <p:sp>
+          <p:nvSpPr>
+            <p:cNvPr id="16" name="Rectangle 15">
+              <a:extLst>
+                <a:ext uri="{FF2B5EF4-FFF2-40B4-BE49-F238E27FC236}">
+                  <a16:creationId xmlns:a16="http://schemas.microsoft.com/office/drawing/2014/main" id="{F6AFE38E-3BAC-F24B-5433-28DB32473D91}"/>
+                </a:ext>
+              </a:extLst>
+            </p:cNvPr>
+            <p:cNvSpPr/>
+            <p:nvPr/>
+          </p:nvSpPr>
+          <p:spPr>
+            <a:xfrm>
+              <a:off x="7060108" y="4522651"/>
+              <a:ext cx="1273772" cy="455386"/>
+            </a:xfrm>
+            <a:prstGeom prst="rect">
+              <a:avLst/>
+            </a:prstGeom>
+            <a:solidFill>
+              <a:schemeClr val="bg1"/>
+            </a:solidFill>
+            <a:ln>
+              <a:noFill/>
+            </a:ln>
+          </p:spPr>
+          <p:style>
+            <a:lnRef idx="2">
+              <a:schemeClr val="accent1">
+                <a:shade val="15000"/>
+              </a:schemeClr>
+            </a:lnRef>
+            <a:fillRef idx="1">
+              <a:schemeClr val="accent1"/>
+            </a:fillRef>
+            <a:effectRef idx="0">
+              <a:schemeClr val="accent1"/>
+            </a:effectRef>
+            <a:fontRef idx="minor">
+              <a:schemeClr val="lt1"/>
+            </a:fontRef>
+          </p:style>
+          <p:txBody>
+            <a:bodyPr rtlCol="0" anchor="ctr"/>
+            <a:lstStyle/>
+            <a:p>
+              <a:pPr algn="ctr"/>
+              <a:endParaRPr lang="en-US"/>
+            </a:p>
+          </p:txBody>
+        </p:sp>
+      </p:grpSp>
+      <p:pic>
+        <p:nvPicPr>
+          <p:cNvPr id="20" name="Picture 19">
+            <a:extLst>
+              <a:ext uri="{FF2B5EF4-FFF2-40B4-BE49-F238E27FC236}">
+                <a16:creationId xmlns:a16="http://schemas.microsoft.com/office/drawing/2014/main" id="{11271968-6B2A-7D15-21EE-DE84FBB680C8}"/>
+              </a:ext>
+            </a:extLst>
+          </p:cNvPr>
+          <p:cNvPicPr>
+            <a:picLocks noChangeAspect="1"/>
+          </p:cNvPicPr>
+          <p:nvPr/>
+        </p:nvPicPr>
+        <p:blipFill>
+          <a:blip r:embed="rId5"/>
+          <a:stretch>
+            <a:fillRect/>
+          </a:stretch>
+        </p:blipFill>
+        <p:spPr>
+          <a:xfrm>
+            <a:off x="4601836" y="4887421"/>
+            <a:ext cx="3743478" cy="413893"/>
+          </a:xfrm>
+          <a:prstGeom prst="rect">
+            <a:avLst/>
+          </a:prstGeom>
+          <a:ln w="28575">
+            <a:noFill/>
+          </a:ln>
+        </p:spPr>
+      </p:pic>
+    </p:spTree>
+    <p:extLst>
+      <p:ext uri="{BB962C8B-B14F-4D97-AF65-F5344CB8AC3E}">
+        <p14:creationId xmlns:p14="http://schemas.microsoft.com/office/powerpoint/2010/main" val="3236096594"/>
+      </p:ext>
+    </p:extLst>
+  </p:cSld>
+  <p:clrMapOvr>
+    <a:masterClrMapping/>
+  </p:clrMapOvr>
+  <p:transition spd="med">
+    <p:fade thruBlk="1"/>
+  </p:transition>
+  <p:timing>
+    <p:tnLst>
+      <p:par>
+        <p:cTn id="1" dur="indefinite" restart="never" nodeType="tmRoot">
+          <p:childTnLst>
+            <p:seq concurrent="1" nextAc="seek">
+              <p:cTn id="2" dur="indefinite" nodeType="mainSeq">
+                <p:childTnLst>
+                  <p:par>
+                    <p:cTn id="3" fill="hold">
+                      <p:stCondLst>
+                        <p:cond delay="indefinite"/>
+                        <p:cond evt="onBegin" delay="0">
+                          <p:tn val="2"/>
+                        </p:cond>
+                      </p:stCondLst>
+                      <p:childTnLst>
+                        <p:par>
+                          <p:cTn id="4" fill="hold">
+                            <p:stCondLst>
+                              <p:cond delay="0"/>
+                            </p:stCondLst>
+                            <p:childTnLst>
+                              <p:par>
+                                <p:cTn id="5" presetID="1" presetClass="entr" presetSubtype="0" fill="hold" grpId="0" nodeType="withEffect">
+                                  <p:stCondLst>
+                                    <p:cond delay="0"/>
+                                  </p:stCondLst>
+                                  <p:childTnLst>
+                                    <p:set>
+                                      <p:cBhvr>
+                                        <p:cTn id="6" dur="1" fill="hold">
+                                          <p:stCondLst>
+                                            <p:cond delay="0"/>
+                                          </p:stCondLst>
+                                        </p:cTn>
+                                        <p:tgtEl>
+                                          <p:spTgt spid="26"/>
+                                        </p:tgtEl>
+                                        <p:attrNameLst>
+                                          <p:attrName>style.visibility</p:attrName>
+                                        </p:attrNameLst>
+                                      </p:cBhvr>
+                                      <p:to>
+                                        <p:strVal val="visible"/>
+                                      </p:to>
+                                    </p:set>
+                                  </p:childTnLst>
+                                </p:cTn>
+                              </p:par>
+                              <p:par>
+                                <p:cTn id="7" presetID="1" presetClass="entr" presetSubtype="0" fill="hold" nodeType="withEffect">
+                                  <p:stCondLst>
+                                    <p:cond delay="0"/>
+                                  </p:stCondLst>
+                                  <p:childTnLst>
+                                    <p:set>
+                                      <p:cBhvr>
+                                        <p:cTn id="8" dur="1" fill="hold">
+                                          <p:stCondLst>
+                                            <p:cond delay="0"/>
+                                          </p:stCondLst>
+                                        </p:cTn>
+                                        <p:tgtEl>
+                                          <p:spTgt spid="20"/>
+                                        </p:tgtEl>
+                                        <p:attrNameLst>
+                                          <p:attrName>style.visibility</p:attrName>
+                                        </p:attrNameLst>
+                                      </p:cBhvr>
+                                      <p:to>
+                                        <p:strVal val="visible"/>
+                                      </p:to>
+                                    </p:set>
+                                  </p:childTnLst>
+                                </p:cTn>
+                              </p:par>
+                            </p:childTnLst>
+                          </p:cTn>
+                        </p:par>
+                      </p:childTnLst>
+                    </p:cTn>
+                  </p:par>
+                </p:childTnLst>
+              </p:cTn>
+              <p:prevCondLst>
+                <p:cond evt="onPrev" delay="0">
+                  <p:tgtEl>
+                    <p:sldTgt/>
+                  </p:tgtEl>
+                </p:cond>
+              </p:prevCondLst>
+              <p:nextCondLst>
+                <p:cond evt="onNext" delay="0">
+                  <p:tgtEl>
+                    <p:sldTgt/>
+                  </p:tgtEl>
+                </p:cond>
+              </p:nextCondLst>
+            </p:seq>
+          </p:childTnLst>
+        </p:cTn>
+      </p:par>
+    </p:tnLst>
+    <p:bldLst>
+      <p:bldP spid="26" grpId="0"/>
+    </p:bldLst>
+  </p:timing>
+</p:sld>
+</file>
+
+<file path=ppt/slides/slide4.xml><?xml version="1.0" encoding="utf-8"?>
+<p:sld xmlns:a="http://schemas.openxmlformats.org/drawingml/2006/main" xmlns:r="http://schemas.openxmlformats.org/officeDocument/2006/relationships" xmlns:p="http://schemas.openxmlformats.org/presentationml/2006/main">
+  <p:cSld>
+    <p:spTree>
+      <p:nvGrpSpPr>
+        <p:cNvPr id="1" name=""/>
+        <p:cNvGrpSpPr/>
+        <p:nvPr/>
+      </p:nvGrpSpPr>
+      <p:grpSpPr>
+        <a:xfrm>
+          <a:off x="0" y="0"/>
+          <a:ext cx="0" cy="0"/>
+          <a:chOff x="0" y="0"/>
+          <a:chExt cx="0" cy="0"/>
+        </a:xfrm>
+      </p:grpSpPr>
+      <p:sp>
+        <p:nvSpPr>
+          <p:cNvPr id="2" name="Title 1">
+            <a:extLst>
+              <a:ext uri="{FF2B5EF4-FFF2-40B4-BE49-F238E27FC236}">
                 <a16:creationId xmlns:a16="http://schemas.microsoft.com/office/drawing/2014/main" id="{5EF7728F-8EDF-254C-EE14-CF600C5E2171}"/>
               </a:ext>
             </a:extLst>
@@ -5915,7 +6675,7 @@
 </p:sld>
 </file>
 
-<file path=ppt/slides/slide4.xml><?xml version="1.0" encoding="utf-8"?>
+<file path=ppt/slides/slide5.xml><?xml version="1.0" encoding="utf-8"?>
 <p:sld xmlns:a="http://schemas.openxmlformats.org/drawingml/2006/main" xmlns:r="http://schemas.openxmlformats.org/officeDocument/2006/relationships" xmlns:p="http://schemas.openxmlformats.org/presentationml/2006/main">
   <p:cSld>
     <p:spTree>
@@ -6435,7 +7195,7 @@
 </p:sld>
 </file>
 
-<file path=ppt/slides/slide5.xml><?xml version="1.0" encoding="utf-8"?>
+<file path=ppt/slides/slide6.xml><?xml version="1.0" encoding="utf-8"?>
 <p:sld xmlns:a="http://schemas.openxmlformats.org/drawingml/2006/main" xmlns:r="http://schemas.openxmlformats.org/officeDocument/2006/relationships" xmlns:p="http://schemas.openxmlformats.org/presentationml/2006/main">
   <p:cSld>
     <p:spTree>
@@ -6747,7 +7507,7 @@
 </p:sld>
 </file>
 
-<file path=ppt/slides/slide6.xml><?xml version="1.0" encoding="utf-8"?>
+<file path=ppt/slides/slide7.xml><?xml version="1.0" encoding="utf-8"?>
 <p:sld xmlns:a="http://schemas.openxmlformats.org/drawingml/2006/main" xmlns:r="http://schemas.openxmlformats.org/officeDocument/2006/relationships" xmlns:p="http://schemas.openxmlformats.org/presentationml/2006/main">
   <p:cSld>
     <p:spTree>
@@ -8066,26 +8826,6 @@
 </file>
 
 <file path=customXml/item1.xml><?xml version="1.0" encoding="utf-8"?>
-<?mso-contentType ?>
-<FormTemplates xmlns="http://schemas.microsoft.com/sharepoint/v3/contenttype/forms">
-  <Display>DocumentLibraryForm</Display>
-  <Edit>DocumentLibraryForm</Edit>
-  <New>DocumentLibraryForm</New>
-</FormTemplates>
-</file>
-
-<file path=customXml/item2.xml><?xml version="1.0" encoding="utf-8"?>
-<p:properties xmlns:p="http://schemas.microsoft.com/office/2006/metadata/properties" xmlns:xsi="http://www.w3.org/2001/XMLSchema-instance" xmlns:pc="http://schemas.microsoft.com/office/infopath/2007/PartnerControls">
-  <documentManagement>
-    <lcf76f155ced4ddcb4097134ff3c332f xmlns="bc60e194-9704-453b-a77a-511c60d81b7e">
-      <Terms xmlns="http://schemas.microsoft.com/office/infopath/2007/PartnerControls"/>
-    </lcf76f155ced4ddcb4097134ff3c332f>
-    <TaxCatchAll xmlns="178cc453-fcb3-434a-a9f3-439e036d2449" xsi:nil="true"/>
-  </documentManagement>
-</p:properties>
-</file>
-
-<file path=customXml/item3.xml><?xml version="1.0" encoding="utf-8"?>
 <ct:contentTypeSchema xmlns:ct="http://schemas.microsoft.com/office/2006/metadata/contentType" xmlns:ma="http://schemas.microsoft.com/office/2006/metadata/properties/metaAttributes" ct:_="" ma:_="" ma:contentTypeName="Document" ma:contentTypeID="0x010100727BEC05E86D774EB4472D3D26DC6835" ma:contentTypeVersion="11" ma:contentTypeDescription="Create a new document." ma:contentTypeScope="" ma:versionID="9488db01468544bbce017f9963c1b24e">
   <xsd:schema xmlns:xsd="http://www.w3.org/2001/XMLSchema" xmlns:xs="http://www.w3.org/2001/XMLSchema" xmlns:p="http://schemas.microsoft.com/office/2006/metadata/properties" xmlns:ns2="bc60e194-9704-453b-a77a-511c60d81b7e" xmlns:ns3="178cc453-fcb3-434a-a9f3-439e036d2449" targetNamespace="http://schemas.microsoft.com/office/2006/metadata/properties" ma:root="true" ma:fieldsID="caa27bd9a69ddcad3495cce1747da9c6" ns2:_="" ns3:_="">
     <xsd:import namespace="bc60e194-9704-453b-a77a-511c60d81b7e"/>
@@ -8280,10 +9020,41 @@
 </ct:contentTypeSchema>
 </file>
 
+<file path=customXml/item2.xml><?xml version="1.0" encoding="utf-8"?>
+<p:properties xmlns:p="http://schemas.microsoft.com/office/2006/metadata/properties" xmlns:xsi="http://www.w3.org/2001/XMLSchema-instance" xmlns:pc="http://schemas.microsoft.com/office/infopath/2007/PartnerControls">
+  <documentManagement>
+    <lcf76f155ced4ddcb4097134ff3c332f xmlns="bc60e194-9704-453b-a77a-511c60d81b7e">
+      <Terms xmlns="http://schemas.microsoft.com/office/infopath/2007/PartnerControls"/>
+    </lcf76f155ced4ddcb4097134ff3c332f>
+    <TaxCatchAll xmlns="178cc453-fcb3-434a-a9f3-439e036d2449" xsi:nil="true"/>
+  </documentManagement>
+</p:properties>
+</file>
+
+<file path=customXml/item3.xml><?xml version="1.0" encoding="utf-8"?>
+<?mso-contentType ?>
+<FormTemplates xmlns="http://schemas.microsoft.com/sharepoint/v3/contenttype/forms">
+  <Display>DocumentLibraryForm</Display>
+  <Edit>DocumentLibraryForm</Edit>
+  <New>DocumentLibraryForm</New>
+</FormTemplates>
+</file>
+
 <file path=customXml/itemProps1.xml><?xml version="1.0" encoding="utf-8"?>
-<ds:datastoreItem xmlns:ds="http://schemas.openxmlformats.org/officeDocument/2006/customXml" ds:itemID="{FB5C3247-669A-4A91-82DC-DECDD89FF8DE}">
+<ds:datastoreItem xmlns:ds="http://schemas.openxmlformats.org/officeDocument/2006/customXml" ds:itemID="{BE7C519B-3867-422D-9A4F-5EFC17755870}">
   <ds:schemaRefs>
-    <ds:schemaRef ds:uri="http://schemas.microsoft.com/sharepoint/v3/contenttype/forms"/>
+    <ds:schemaRef ds:uri="178cc453-fcb3-434a-a9f3-439e036d2449"/>
+    <ds:schemaRef ds:uri="bc60e194-9704-453b-a77a-511c60d81b7e"/>
+    <ds:schemaRef ds:uri="http://purl.org/dc/elements/1.1/"/>
+    <ds:schemaRef ds:uri="http://purl.org/dc/terms/"/>
+    <ds:schemaRef ds:uri="http://schemas.microsoft.com/internal/obd"/>
+    <ds:schemaRef ds:uri="http://schemas.microsoft.com/office/2006/documentManagement/types"/>
+    <ds:schemaRef ds:uri="http://schemas.microsoft.com/office/2006/metadata/contentType"/>
+    <ds:schemaRef ds:uri="http://schemas.microsoft.com/office/2006/metadata/properties"/>
+    <ds:schemaRef ds:uri="http://schemas.microsoft.com/office/2006/metadata/properties/metaAttributes"/>
+    <ds:schemaRef ds:uri="http://schemas.microsoft.com/office/infopath/2007/PartnerControls"/>
+    <ds:schemaRef ds:uri="http://schemas.openxmlformats.org/package/2006/metadata/core-properties"/>
+    <ds:schemaRef ds:uri="http://www.w3.org/2001/XMLSchema"/>
   </ds:schemaRefs>
 </ds:datastoreItem>
 </file>
@@ -8306,20 +9077,9 @@
 </file>
 
 <file path=customXml/itemProps3.xml><?xml version="1.0" encoding="utf-8"?>
-<ds:datastoreItem xmlns:ds="http://schemas.openxmlformats.org/officeDocument/2006/customXml" ds:itemID="{BE7C519B-3867-422D-9A4F-5EFC17755870}">
+<ds:datastoreItem xmlns:ds="http://schemas.openxmlformats.org/officeDocument/2006/customXml" ds:itemID="{FB5C3247-669A-4A91-82DC-DECDD89FF8DE}">
   <ds:schemaRefs>
-    <ds:schemaRef ds:uri="178cc453-fcb3-434a-a9f3-439e036d2449"/>
-    <ds:schemaRef ds:uri="bc60e194-9704-453b-a77a-511c60d81b7e"/>
-    <ds:schemaRef ds:uri="http://purl.org/dc/elements/1.1/"/>
-    <ds:schemaRef ds:uri="http://purl.org/dc/terms/"/>
-    <ds:schemaRef ds:uri="http://schemas.microsoft.com/internal/obd"/>
-    <ds:schemaRef ds:uri="http://schemas.microsoft.com/office/2006/documentManagement/types"/>
-    <ds:schemaRef ds:uri="http://schemas.microsoft.com/office/2006/metadata/contentType"/>
-    <ds:schemaRef ds:uri="http://schemas.microsoft.com/office/2006/metadata/properties"/>
-    <ds:schemaRef ds:uri="http://schemas.microsoft.com/office/2006/metadata/properties/metaAttributes"/>
-    <ds:schemaRef ds:uri="http://schemas.microsoft.com/office/infopath/2007/PartnerControls"/>
-    <ds:schemaRef ds:uri="http://schemas.openxmlformats.org/package/2006/metadata/core-properties"/>
-    <ds:schemaRef ds:uri="http://www.w3.org/2001/XMLSchema"/>
+    <ds:schemaRef ds:uri="http://schemas.microsoft.com/sharepoint/v3/contenttype/forms"/>
   </ds:schemaRefs>
 </ds:datastoreItem>
 </file>